--- a/Presentation.pptx
+++ b/Presentation.pptx
@@ -285,7 +285,7 @@
           <a:p>
             <a:fld id="{BF40E1F1-4354-4274-B1D2-6FFEF29B1318}" type="datetimeFigureOut">
               <a:rPr lang="LID4096" smtClean="0"/>
-              <a:t>04/18/2025</a:t>
+              <a:t>04/19/2025</a:t>
             </a:fld>
             <a:endParaRPr lang="LID4096"/>
           </a:p>
@@ -485,7 +485,7 @@
           <a:p>
             <a:fld id="{BF40E1F1-4354-4274-B1D2-6FFEF29B1318}" type="datetimeFigureOut">
               <a:rPr lang="LID4096" smtClean="0"/>
-              <a:t>04/18/2025</a:t>
+              <a:t>04/19/2025</a:t>
             </a:fld>
             <a:endParaRPr lang="LID4096"/>
           </a:p>
@@ -695,7 +695,7 @@
           <a:p>
             <a:fld id="{BF40E1F1-4354-4274-B1D2-6FFEF29B1318}" type="datetimeFigureOut">
               <a:rPr lang="LID4096" smtClean="0"/>
-              <a:t>04/18/2025</a:t>
+              <a:t>04/19/2025</a:t>
             </a:fld>
             <a:endParaRPr lang="LID4096"/>
           </a:p>
@@ -895,7 +895,7 @@
           <a:p>
             <a:fld id="{BF40E1F1-4354-4274-B1D2-6FFEF29B1318}" type="datetimeFigureOut">
               <a:rPr lang="LID4096" smtClean="0"/>
-              <a:t>04/18/2025</a:t>
+              <a:t>04/19/2025</a:t>
             </a:fld>
             <a:endParaRPr lang="LID4096"/>
           </a:p>
@@ -1171,7 +1171,7 @@
           <a:p>
             <a:fld id="{BF40E1F1-4354-4274-B1D2-6FFEF29B1318}" type="datetimeFigureOut">
               <a:rPr lang="LID4096" smtClean="0"/>
-              <a:t>04/18/2025</a:t>
+              <a:t>04/19/2025</a:t>
             </a:fld>
             <a:endParaRPr lang="LID4096"/>
           </a:p>
@@ -1439,7 +1439,7 @@
           <a:p>
             <a:fld id="{BF40E1F1-4354-4274-B1D2-6FFEF29B1318}" type="datetimeFigureOut">
               <a:rPr lang="LID4096" smtClean="0"/>
-              <a:t>04/18/2025</a:t>
+              <a:t>04/19/2025</a:t>
             </a:fld>
             <a:endParaRPr lang="LID4096"/>
           </a:p>
@@ -1854,7 +1854,7 @@
           <a:p>
             <a:fld id="{BF40E1F1-4354-4274-B1D2-6FFEF29B1318}" type="datetimeFigureOut">
               <a:rPr lang="LID4096" smtClean="0"/>
-              <a:t>04/18/2025</a:t>
+              <a:t>04/19/2025</a:t>
             </a:fld>
             <a:endParaRPr lang="LID4096"/>
           </a:p>
@@ -1996,7 +1996,7 @@
           <a:p>
             <a:fld id="{BF40E1F1-4354-4274-B1D2-6FFEF29B1318}" type="datetimeFigureOut">
               <a:rPr lang="LID4096" smtClean="0"/>
-              <a:t>04/18/2025</a:t>
+              <a:t>04/19/2025</a:t>
             </a:fld>
             <a:endParaRPr lang="LID4096"/>
           </a:p>
@@ -2109,7 +2109,7 @@
           <a:p>
             <a:fld id="{BF40E1F1-4354-4274-B1D2-6FFEF29B1318}" type="datetimeFigureOut">
               <a:rPr lang="LID4096" smtClean="0"/>
-              <a:t>04/18/2025</a:t>
+              <a:t>04/19/2025</a:t>
             </a:fld>
             <a:endParaRPr lang="LID4096"/>
           </a:p>
@@ -2422,7 +2422,7 @@
           <a:p>
             <a:fld id="{BF40E1F1-4354-4274-B1D2-6FFEF29B1318}" type="datetimeFigureOut">
               <a:rPr lang="LID4096" smtClean="0"/>
-              <a:t>04/18/2025</a:t>
+              <a:t>04/19/2025</a:t>
             </a:fld>
             <a:endParaRPr lang="LID4096"/>
           </a:p>
@@ -2711,7 +2711,7 @@
           <a:p>
             <a:fld id="{BF40E1F1-4354-4274-B1D2-6FFEF29B1318}" type="datetimeFigureOut">
               <a:rPr lang="LID4096" smtClean="0"/>
-              <a:t>04/18/2025</a:t>
+              <a:t>04/19/2025</a:t>
             </a:fld>
             <a:endParaRPr lang="LID4096"/>
           </a:p>
@@ -2954,7 +2954,7 @@
           <a:p>
             <a:fld id="{BF40E1F1-4354-4274-B1D2-6FFEF29B1318}" type="datetimeFigureOut">
               <a:rPr lang="LID4096" smtClean="0"/>
-              <a:t>04/18/2025</a:t>
+              <a:t>04/19/2025</a:t>
             </a:fld>
             <a:endParaRPr lang="LID4096"/>
           </a:p>
@@ -3987,13 +3987,13 @@
   <p:clrMapOvr>
     <a:masterClrMapping/>
   </p:clrMapOvr>
-  <mc:AlternateContent xmlns:mc="http://schemas.openxmlformats.org/markup-compatibility/2006">
-    <mc:Choice xmlns:p14="http://schemas.microsoft.com/office/powerpoint/2010/main" Requires="p14">
+  <mc:AlternateContent xmlns:mc="http://schemas.openxmlformats.org/markup-compatibility/2006" xmlns:p14="http://schemas.microsoft.com/office/powerpoint/2010/main">
+    <mc:Choice Requires="p14">
       <p:transition spd="slow" p14:dur="1600">
         <p14:prism isInverted="1"/>
       </p:transition>
     </mc:Choice>
-    <mc:Fallback>
+    <mc:Fallback xmlns="">
       <p:transition spd="slow">
         <p:fade/>
       </p:transition>
@@ -4448,42 +4448,6 @@
           <a:chExt cx="0" cy="0"/>
         </a:xfrm>
       </p:grpSpPr>
-      <p:pic>
-        <p:nvPicPr>
-          <p:cNvPr id="2" name="Picture 1">
-            <a:extLst>
-              <a:ext uri="{FF2B5EF4-FFF2-40B4-BE49-F238E27FC236}">
-                <a16:creationId xmlns:a16="http://schemas.microsoft.com/office/drawing/2014/main" id="{E735BF96-7D94-A5BB-FF68-E89CDC5EF797}"/>
-              </a:ext>
-            </a:extLst>
-          </p:cNvPr>
-          <p:cNvPicPr>
-            <a:picLocks noChangeAspect="1"/>
-          </p:cNvPicPr>
-          <p:nvPr/>
-        </p:nvPicPr>
-        <p:blipFill>
-          <a:blip r:embed="rId2">
-            <a:extLst>
-              <a:ext uri="{28A0092B-C50C-407E-A947-70E740481C1C}">
-                <a14:useLocalDpi xmlns:a14="http://schemas.microsoft.com/office/drawing/2010/main" val="0"/>
-              </a:ext>
-            </a:extLst>
-          </a:blip>
-          <a:stretch>
-            <a:fillRect/>
-          </a:stretch>
-        </p:blipFill>
-        <p:spPr>
-          <a:xfrm>
-            <a:off x="805156" y="218838"/>
-            <a:ext cx="10581688" cy="5949708"/>
-          </a:xfrm>
-          <a:prstGeom prst="rect">
-            <a:avLst/>
-          </a:prstGeom>
-        </p:spPr>
-      </p:pic>
       <p:sp>
         <p:nvSpPr>
           <p:cNvPr id="3" name="TextBox 2">
@@ -4521,6 +4485,42 @@
           </a:p>
         </p:txBody>
       </p:sp>
+      <p:pic>
+        <p:nvPicPr>
+          <p:cNvPr id="5" name="Picture 4">
+            <a:extLst>
+              <a:ext uri="{FF2B5EF4-FFF2-40B4-BE49-F238E27FC236}">
+                <a16:creationId xmlns:a16="http://schemas.microsoft.com/office/drawing/2014/main" id="{FB74E659-88A0-45EF-AA39-AB9F932EBA97}"/>
+              </a:ext>
+            </a:extLst>
+          </p:cNvPr>
+          <p:cNvPicPr>
+            <a:picLocks noChangeAspect="1"/>
+          </p:cNvPicPr>
+          <p:nvPr/>
+        </p:nvPicPr>
+        <p:blipFill>
+          <a:blip r:embed="rId2">
+            <a:extLst>
+              <a:ext uri="{28A0092B-C50C-407E-A947-70E740481C1C}">
+                <a14:useLocalDpi xmlns:a14="http://schemas.microsoft.com/office/drawing/2010/main" val="0"/>
+              </a:ext>
+            </a:extLst>
+          </a:blip>
+          <a:stretch>
+            <a:fillRect/>
+          </a:stretch>
+        </p:blipFill>
+        <p:spPr>
+          <a:xfrm>
+            <a:off x="754315" y="218838"/>
+            <a:ext cx="10137802" cy="5691988"/>
+          </a:xfrm>
+          <a:prstGeom prst="rect">
+            <a:avLst/>
+          </a:prstGeom>
+        </p:spPr>
+      </p:pic>
     </p:spTree>
     <p:extLst>
       <p:ext uri="{BB962C8B-B14F-4D97-AF65-F5344CB8AC3E}">
@@ -8210,13 +8210,13 @@
   <p:clrMapOvr>
     <a:masterClrMapping/>
   </p:clrMapOvr>
-  <mc:AlternateContent xmlns:mc="http://schemas.openxmlformats.org/markup-compatibility/2006">
-    <mc:Choice xmlns:p14="http://schemas.microsoft.com/office/powerpoint/2010/main" Requires="p14">
+  <mc:AlternateContent xmlns:mc="http://schemas.openxmlformats.org/markup-compatibility/2006" xmlns:p14="http://schemas.microsoft.com/office/powerpoint/2010/main">
+    <mc:Choice Requires="p14">
       <p:transition spd="slow" p14:dur="1200">
         <p14:prism/>
       </p:transition>
     </mc:Choice>
-    <mc:Fallback>
+    <mc:Fallback xmlns="">
       <p:transition spd="slow">
         <p:fade/>
       </p:transition>
@@ -8304,13 +8304,13 @@
   <p:clrMapOvr>
     <a:masterClrMapping/>
   </p:clrMapOvr>
-  <mc:AlternateContent xmlns:mc="http://schemas.openxmlformats.org/markup-compatibility/2006">
-    <mc:Choice xmlns:p15="http://schemas.microsoft.com/office/powerpoint/2012/main" Requires="p15">
+  <mc:AlternateContent xmlns:mc="http://schemas.openxmlformats.org/markup-compatibility/2006" xmlns:p15="http://schemas.microsoft.com/office/powerpoint/2012/main">
+    <mc:Choice Requires="p15">
       <p:transition xmlns:p14="http://schemas.microsoft.com/office/powerpoint/2010/main" spd="slow" p14:dur="3500">
         <p15:prstTrans prst="curtains"/>
       </p:transition>
     </mc:Choice>
-    <mc:Fallback>
+    <mc:Fallback xmlns="">
       <p:transition spd="slow">
         <p:fade/>
       </p:transition>
@@ -8436,13 +8436,13 @@
   <p:clrMapOvr>
     <a:masterClrMapping/>
   </p:clrMapOvr>
-  <mc:AlternateContent xmlns:mc="http://schemas.openxmlformats.org/markup-compatibility/2006">
-    <mc:Choice xmlns:p14="http://schemas.microsoft.com/office/powerpoint/2010/main" Requires="p14">
+  <mc:AlternateContent xmlns:mc="http://schemas.openxmlformats.org/markup-compatibility/2006" xmlns:p14="http://schemas.microsoft.com/office/powerpoint/2010/main">
+    <mc:Choice Requires="p14">
       <p:transition spd="slow" p14:dur="1200">
         <p14:prism/>
       </p:transition>
     </mc:Choice>
-    <mc:Fallback>
+    <mc:Fallback xmlns="">
       <p:transition spd="slow">
         <p:fade/>
       </p:transition>
